--- a/document/Graphics/gráficas.pptx
+++ b/document/Graphics/gráficas.pptx
@@ -7,6 +7,8 @@
   <p:sldIdLst>
     <p:sldId id="256" r:id="rId2"/>
     <p:sldId id="257" r:id="rId3"/>
+    <p:sldId id="258" r:id="rId4"/>
+    <p:sldId id="259" r:id="rId5"/>
   </p:sldIdLst>
   <p:sldSz cx="12192000" cy="6858000"/>
   <p:notesSz cx="6858000" cy="9144000"/>
@@ -105,6 +107,11 @@
       </a:defRPr>
     </a:lvl9pPr>
   </p:defaultTextStyle>
+  <p:extLst>
+    <p:ext uri="{EFAFB233-063F-42B5-8137-9DF3F51BA10A}">
+      <p15:sldGuideLst xmlns:p15="http://schemas.microsoft.com/office/powerpoint/2012/main"/>
+    </p:ext>
+  </p:extLst>
 </p:presentation>
 </file>
 
@@ -239,7 +246,7 @@
           <a:p>
             <a:fld id="{F99C7A29-F184-4583-9600-8CD6DFE24909}" type="datetimeFigureOut">
               <a:rPr lang="es-ES" smtClean="0"/>
-              <a:t>14/04/2025</a:t>
+              <a:t>15/05/2025</a:t>
             </a:fld>
             <a:endParaRPr lang="es-ES"/>
           </a:p>
@@ -409,7 +416,7 @@
           <a:p>
             <a:fld id="{F99C7A29-F184-4583-9600-8CD6DFE24909}" type="datetimeFigureOut">
               <a:rPr lang="es-ES" smtClean="0"/>
-              <a:t>14/04/2025</a:t>
+              <a:t>15/05/2025</a:t>
             </a:fld>
             <a:endParaRPr lang="es-ES"/>
           </a:p>
@@ -589,7 +596,7 @@
           <a:p>
             <a:fld id="{F99C7A29-F184-4583-9600-8CD6DFE24909}" type="datetimeFigureOut">
               <a:rPr lang="es-ES" smtClean="0"/>
-              <a:t>14/04/2025</a:t>
+              <a:t>15/05/2025</a:t>
             </a:fld>
             <a:endParaRPr lang="es-ES"/>
           </a:p>
@@ -759,7 +766,7 @@
           <a:p>
             <a:fld id="{F99C7A29-F184-4583-9600-8CD6DFE24909}" type="datetimeFigureOut">
               <a:rPr lang="es-ES" smtClean="0"/>
-              <a:t>14/04/2025</a:t>
+              <a:t>15/05/2025</a:t>
             </a:fld>
             <a:endParaRPr lang="es-ES"/>
           </a:p>
@@ -1005,7 +1012,7 @@
           <a:p>
             <a:fld id="{F99C7A29-F184-4583-9600-8CD6DFE24909}" type="datetimeFigureOut">
               <a:rPr lang="es-ES" smtClean="0"/>
-              <a:t>14/04/2025</a:t>
+              <a:t>15/05/2025</a:t>
             </a:fld>
             <a:endParaRPr lang="es-ES"/>
           </a:p>
@@ -1237,7 +1244,7 @@
           <a:p>
             <a:fld id="{F99C7A29-F184-4583-9600-8CD6DFE24909}" type="datetimeFigureOut">
               <a:rPr lang="es-ES" smtClean="0"/>
-              <a:t>14/04/2025</a:t>
+              <a:t>15/05/2025</a:t>
             </a:fld>
             <a:endParaRPr lang="es-ES"/>
           </a:p>
@@ -1604,7 +1611,7 @@
           <a:p>
             <a:fld id="{F99C7A29-F184-4583-9600-8CD6DFE24909}" type="datetimeFigureOut">
               <a:rPr lang="es-ES" smtClean="0"/>
-              <a:t>14/04/2025</a:t>
+              <a:t>15/05/2025</a:t>
             </a:fld>
             <a:endParaRPr lang="es-ES"/>
           </a:p>
@@ -1722,7 +1729,7 @@
           <a:p>
             <a:fld id="{F99C7A29-F184-4583-9600-8CD6DFE24909}" type="datetimeFigureOut">
               <a:rPr lang="es-ES" smtClean="0"/>
-              <a:t>14/04/2025</a:t>
+              <a:t>15/05/2025</a:t>
             </a:fld>
             <a:endParaRPr lang="es-ES"/>
           </a:p>
@@ -1817,7 +1824,7 @@
           <a:p>
             <a:fld id="{F99C7A29-F184-4583-9600-8CD6DFE24909}" type="datetimeFigureOut">
               <a:rPr lang="es-ES" smtClean="0"/>
-              <a:t>14/04/2025</a:t>
+              <a:t>15/05/2025</a:t>
             </a:fld>
             <a:endParaRPr lang="es-ES"/>
           </a:p>
@@ -2094,7 +2101,7 @@
           <a:p>
             <a:fld id="{F99C7A29-F184-4583-9600-8CD6DFE24909}" type="datetimeFigureOut">
               <a:rPr lang="es-ES" smtClean="0"/>
-              <a:t>14/04/2025</a:t>
+              <a:t>15/05/2025</a:t>
             </a:fld>
             <a:endParaRPr lang="es-ES"/>
           </a:p>
@@ -2347,7 +2354,7 @@
           <a:p>
             <a:fld id="{F99C7A29-F184-4583-9600-8CD6DFE24909}" type="datetimeFigureOut">
               <a:rPr lang="es-ES" smtClean="0"/>
-              <a:t>14/04/2025</a:t>
+              <a:t>15/05/2025</a:t>
             </a:fld>
             <a:endParaRPr lang="es-ES"/>
           </a:p>
@@ -2560,7 +2567,7 @@
           <a:p>
             <a:fld id="{F99C7A29-F184-4583-9600-8CD6DFE24909}" type="datetimeFigureOut">
               <a:rPr lang="es-ES" smtClean="0"/>
-              <a:t>14/04/2025</a:t>
+              <a:t>15/05/2025</a:t>
             </a:fld>
             <a:endParaRPr lang="es-ES"/>
           </a:p>
@@ -3376,6 +3383,214 @@
 </p:sld>
 </file>
 
+<file path=ppt/slides/slide3.xml><?xml version="1.0" encoding="utf-8"?>
+<p:sld xmlns:a="http://schemas.openxmlformats.org/drawingml/2006/main" xmlns:r="http://schemas.openxmlformats.org/officeDocument/2006/relationships" xmlns:p="http://schemas.openxmlformats.org/presentationml/2006/main">
+  <p:cSld>
+    <p:spTree>
+      <p:nvGrpSpPr>
+        <p:cNvPr id="1" name=""/>
+        <p:cNvGrpSpPr/>
+        <p:nvPr/>
+      </p:nvGrpSpPr>
+      <p:grpSpPr>
+        <a:xfrm>
+          <a:off x="0" y="0"/>
+          <a:ext cx="0" cy="0"/>
+          <a:chOff x="0" y="0"/>
+          <a:chExt cx="0" cy="0"/>
+        </a:xfrm>
+      </p:grpSpPr>
+      <p:sp>
+        <p:nvSpPr>
+          <p:cNvPr id="2" name="Título 1"/>
+          <p:cNvSpPr>
+            <a:spLocks noGrp="1"/>
+          </p:cNvSpPr>
+          <p:nvPr>
+            <p:ph type="title"/>
+          </p:nvPr>
+        </p:nvSpPr>
+        <p:spPr/>
+        <p:txBody>
+          <a:bodyPr/>
+          <a:lstStyle/>
+          <a:p>
+            <a:endParaRPr lang="es-ES"/>
+          </a:p>
+        </p:txBody>
+      </p:sp>
+      <p:pic>
+        <p:nvPicPr>
+          <p:cNvPr id="4" name="Marcador de contenido 3"/>
+          <p:cNvPicPr>
+            <a:picLocks noGrp="1" noChangeAspect="1"/>
+          </p:cNvPicPr>
+          <p:nvPr>
+            <p:ph idx="1"/>
+          </p:nvPr>
+        </p:nvPicPr>
+        <p:blipFill rotWithShape="1">
+          <a:blip r:embed="rId2">
+            <a:extLst>
+              <a:ext uri="{28A0092B-C50C-407E-A947-70E740481C1C}">
+                <a14:useLocalDpi xmlns:a14="http://schemas.microsoft.com/office/drawing/2010/main" val="0"/>
+              </a:ext>
+            </a:extLst>
+          </a:blip>
+          <a:srcRect t="7287"/>
+          <a:stretch/>
+        </p:blipFill>
+        <p:spPr>
+          <a:xfrm>
+            <a:off x="3369797" y="2142699"/>
+            <a:ext cx="5452406" cy="4034264"/>
+          </a:xfrm>
+        </p:spPr>
+      </p:pic>
+      <p:sp>
+        <p:nvSpPr>
+          <p:cNvPr id="5" name="CuadroTexto 4"/>
+          <p:cNvSpPr txBox="1"/>
+          <p:nvPr/>
+        </p:nvSpPr>
+        <p:spPr>
+          <a:xfrm>
+            <a:off x="4305125" y="1773367"/>
+            <a:ext cx="3581750" cy="369332"/>
+          </a:xfrm>
+          <a:prstGeom prst="rect">
+            <a:avLst/>
+          </a:prstGeom>
+          <a:noFill/>
+        </p:spPr>
+        <p:txBody>
+          <a:bodyPr wrap="none" rtlCol="0">
+            <a:spAutoFit/>
+          </a:bodyPr>
+          <a:lstStyle/>
+          <a:p>
+            <a:r>
+              <a:rPr lang="es-ES" dirty="0" err="1" smtClean="0"/>
+              <a:t>Interaction</a:t>
+            </a:r>
+            <a:r>
+              <a:rPr lang="es-ES" dirty="0" smtClean="0"/>
+              <a:t> </a:t>
+            </a:r>
+            <a:r>
+              <a:rPr lang="es-ES" dirty="0" err="1" smtClean="0"/>
+              <a:t>Graph</a:t>
+            </a:r>
+            <a:r>
+              <a:rPr lang="es-ES" dirty="0" smtClean="0"/>
+              <a:t> 20231021 190000</a:t>
+            </a:r>
+            <a:endParaRPr lang="es-ES" dirty="0"/>
+          </a:p>
+        </p:txBody>
+      </p:sp>
+    </p:spTree>
+    <p:extLst>
+      <p:ext uri="{BB962C8B-B14F-4D97-AF65-F5344CB8AC3E}">
+        <p14:creationId xmlns:p14="http://schemas.microsoft.com/office/powerpoint/2010/main" val="3581975223"/>
+      </p:ext>
+    </p:extLst>
+  </p:cSld>
+  <p:clrMapOvr>
+    <a:masterClrMapping/>
+  </p:clrMapOvr>
+</p:sld>
+</file>
+
+<file path=ppt/slides/slide4.xml><?xml version="1.0" encoding="utf-8"?>
+<p:sld xmlns:a="http://schemas.openxmlformats.org/drawingml/2006/main" xmlns:r="http://schemas.openxmlformats.org/officeDocument/2006/relationships" xmlns:p="http://schemas.openxmlformats.org/presentationml/2006/main">
+  <p:cSld>
+    <p:spTree>
+      <p:nvGrpSpPr>
+        <p:cNvPr id="1" name=""/>
+        <p:cNvGrpSpPr/>
+        <p:nvPr/>
+      </p:nvGrpSpPr>
+      <p:grpSpPr>
+        <a:xfrm>
+          <a:off x="0" y="0"/>
+          <a:ext cx="0" cy="0"/>
+          <a:chOff x="0" y="0"/>
+          <a:chExt cx="0" cy="0"/>
+        </a:xfrm>
+      </p:grpSpPr>
+      <p:pic>
+        <p:nvPicPr>
+          <p:cNvPr id="4" name="Marcador de contenido 3"/>
+          <p:cNvPicPr>
+            <a:picLocks noGrp="1" noChangeAspect="1"/>
+          </p:cNvPicPr>
+          <p:nvPr>
+            <p:ph idx="1"/>
+          </p:nvPr>
+        </p:nvPicPr>
+        <p:blipFill>
+          <a:blip r:embed="rId2">
+            <a:extLst>
+              <a:ext uri="{28A0092B-C50C-407E-A947-70E740481C1C}">
+                <a14:useLocalDpi xmlns:a14="http://schemas.microsoft.com/office/drawing/2010/main" val="0"/>
+              </a:ext>
+            </a:extLst>
+          </a:blip>
+          <a:stretch>
+            <a:fillRect/>
+          </a:stretch>
+        </p:blipFill>
+        <p:spPr>
+          <a:xfrm>
+            <a:off x="5653597" y="870021"/>
+            <a:ext cx="5074930" cy="5074930"/>
+          </a:xfrm>
+        </p:spPr>
+      </p:pic>
+      <p:pic>
+        <p:nvPicPr>
+          <p:cNvPr id="5" name="Imagen 4"/>
+          <p:cNvPicPr>
+            <a:picLocks noChangeAspect="1"/>
+          </p:cNvPicPr>
+          <p:nvPr/>
+        </p:nvPicPr>
+        <p:blipFill>
+          <a:blip r:embed="rId3">
+            <a:extLst>
+              <a:ext uri="{28A0092B-C50C-407E-A947-70E740481C1C}">
+                <a14:useLocalDpi xmlns:a14="http://schemas.microsoft.com/office/drawing/2010/main" val="0"/>
+              </a:ext>
+            </a:extLst>
+          </a:blip>
+          <a:stretch>
+            <a:fillRect/>
+          </a:stretch>
+        </p:blipFill>
+        <p:spPr>
+          <a:xfrm>
+            <a:off x="578667" y="870021"/>
+            <a:ext cx="5074930" cy="5074930"/>
+          </a:xfrm>
+          <a:prstGeom prst="rect">
+            <a:avLst/>
+          </a:prstGeom>
+        </p:spPr>
+      </p:pic>
+    </p:spTree>
+    <p:extLst>
+      <p:ext uri="{BB962C8B-B14F-4D97-AF65-F5344CB8AC3E}">
+        <p14:creationId xmlns:p14="http://schemas.microsoft.com/office/powerpoint/2010/main" val="3572940525"/>
+      </p:ext>
+    </p:extLst>
+  </p:cSld>
+  <p:clrMapOvr>
+    <a:masterClrMapping/>
+  </p:clrMapOvr>
+</p:sld>
+</file>
+
 <file path=ppt/theme/theme1.xml><?xml version="1.0" encoding="utf-8"?>
 <a:theme xmlns:a="http://schemas.openxmlformats.org/drawingml/2006/main" name="Tema de Office">
   <a:themeElements>

--- a/document/Graphics/gráficas.pptx
+++ b/document/Graphics/gráficas.pptx
@@ -9,6 +9,7 @@
     <p:sldId id="257" r:id="rId3"/>
     <p:sldId id="258" r:id="rId4"/>
     <p:sldId id="259" r:id="rId5"/>
+    <p:sldId id="260" r:id="rId6"/>
   </p:sldIdLst>
   <p:sldSz cx="12192000" cy="6858000"/>
   <p:notesSz cx="6858000" cy="9144000"/>
@@ -246,7 +247,7 @@
           <a:p>
             <a:fld id="{F99C7A29-F184-4583-9600-8CD6DFE24909}" type="datetimeFigureOut">
               <a:rPr lang="es-ES" smtClean="0"/>
-              <a:t>15/05/2025</a:t>
+              <a:t>23/05/2025</a:t>
             </a:fld>
             <a:endParaRPr lang="es-ES"/>
           </a:p>
@@ -416,7 +417,7 @@
           <a:p>
             <a:fld id="{F99C7A29-F184-4583-9600-8CD6DFE24909}" type="datetimeFigureOut">
               <a:rPr lang="es-ES" smtClean="0"/>
-              <a:t>15/05/2025</a:t>
+              <a:t>23/05/2025</a:t>
             </a:fld>
             <a:endParaRPr lang="es-ES"/>
           </a:p>
@@ -596,7 +597,7 @@
           <a:p>
             <a:fld id="{F99C7A29-F184-4583-9600-8CD6DFE24909}" type="datetimeFigureOut">
               <a:rPr lang="es-ES" smtClean="0"/>
-              <a:t>15/05/2025</a:t>
+              <a:t>23/05/2025</a:t>
             </a:fld>
             <a:endParaRPr lang="es-ES"/>
           </a:p>
@@ -766,7 +767,7 @@
           <a:p>
             <a:fld id="{F99C7A29-F184-4583-9600-8CD6DFE24909}" type="datetimeFigureOut">
               <a:rPr lang="es-ES" smtClean="0"/>
-              <a:t>15/05/2025</a:t>
+              <a:t>23/05/2025</a:t>
             </a:fld>
             <a:endParaRPr lang="es-ES"/>
           </a:p>
@@ -1012,7 +1013,7 @@
           <a:p>
             <a:fld id="{F99C7A29-F184-4583-9600-8CD6DFE24909}" type="datetimeFigureOut">
               <a:rPr lang="es-ES" smtClean="0"/>
-              <a:t>15/05/2025</a:t>
+              <a:t>23/05/2025</a:t>
             </a:fld>
             <a:endParaRPr lang="es-ES"/>
           </a:p>
@@ -1244,7 +1245,7 @@
           <a:p>
             <a:fld id="{F99C7A29-F184-4583-9600-8CD6DFE24909}" type="datetimeFigureOut">
               <a:rPr lang="es-ES" smtClean="0"/>
-              <a:t>15/05/2025</a:t>
+              <a:t>23/05/2025</a:t>
             </a:fld>
             <a:endParaRPr lang="es-ES"/>
           </a:p>
@@ -1611,7 +1612,7 @@
           <a:p>
             <a:fld id="{F99C7A29-F184-4583-9600-8CD6DFE24909}" type="datetimeFigureOut">
               <a:rPr lang="es-ES" smtClean="0"/>
-              <a:t>15/05/2025</a:t>
+              <a:t>23/05/2025</a:t>
             </a:fld>
             <a:endParaRPr lang="es-ES"/>
           </a:p>
@@ -1729,7 +1730,7 @@
           <a:p>
             <a:fld id="{F99C7A29-F184-4583-9600-8CD6DFE24909}" type="datetimeFigureOut">
               <a:rPr lang="es-ES" smtClean="0"/>
-              <a:t>15/05/2025</a:t>
+              <a:t>23/05/2025</a:t>
             </a:fld>
             <a:endParaRPr lang="es-ES"/>
           </a:p>
@@ -1824,7 +1825,7 @@
           <a:p>
             <a:fld id="{F99C7A29-F184-4583-9600-8CD6DFE24909}" type="datetimeFigureOut">
               <a:rPr lang="es-ES" smtClean="0"/>
-              <a:t>15/05/2025</a:t>
+              <a:t>23/05/2025</a:t>
             </a:fld>
             <a:endParaRPr lang="es-ES"/>
           </a:p>
@@ -2101,7 +2102,7 @@
           <a:p>
             <a:fld id="{F99C7A29-F184-4583-9600-8CD6DFE24909}" type="datetimeFigureOut">
               <a:rPr lang="es-ES" smtClean="0"/>
-              <a:t>15/05/2025</a:t>
+              <a:t>23/05/2025</a:t>
             </a:fld>
             <a:endParaRPr lang="es-ES"/>
           </a:p>
@@ -2354,7 +2355,7 @@
           <a:p>
             <a:fld id="{F99C7A29-F184-4583-9600-8CD6DFE24909}" type="datetimeFigureOut">
               <a:rPr lang="es-ES" smtClean="0"/>
-              <a:t>15/05/2025</a:t>
+              <a:t>23/05/2025</a:t>
             </a:fld>
             <a:endParaRPr lang="es-ES"/>
           </a:p>
@@ -2567,7 +2568,7 @@
           <a:p>
             <a:fld id="{F99C7A29-F184-4583-9600-8CD6DFE24909}" type="datetimeFigureOut">
               <a:rPr lang="es-ES" smtClean="0"/>
-              <a:t>15/05/2025</a:t>
+              <a:t>23/05/2025</a:t>
             </a:fld>
             <a:endParaRPr lang="es-ES"/>
           </a:p>
@@ -3591,6 +3592,248 @@
 </p:sld>
 </file>
 
+<file path=ppt/slides/slide5.xml><?xml version="1.0" encoding="utf-8"?>
+<p:sld xmlns:a="http://schemas.openxmlformats.org/drawingml/2006/main" xmlns:r="http://schemas.openxmlformats.org/officeDocument/2006/relationships" xmlns:p="http://schemas.openxmlformats.org/presentationml/2006/main">
+  <p:cSld>
+    <p:spTree>
+      <p:nvGrpSpPr>
+        <p:cNvPr id="1" name=""/>
+        <p:cNvGrpSpPr/>
+        <p:nvPr/>
+      </p:nvGrpSpPr>
+      <p:grpSpPr>
+        <a:xfrm>
+          <a:off x="0" y="0"/>
+          <a:ext cx="0" cy="0"/>
+          <a:chOff x="0" y="0"/>
+          <a:chExt cx="0" cy="0"/>
+        </a:xfrm>
+      </p:grpSpPr>
+      <p:sp>
+        <p:nvSpPr>
+          <p:cNvPr id="2" name="Título 1"/>
+          <p:cNvSpPr>
+            <a:spLocks noGrp="1"/>
+          </p:cNvSpPr>
+          <p:nvPr>
+            <p:ph type="title"/>
+          </p:nvPr>
+        </p:nvSpPr>
+        <p:spPr/>
+        <p:txBody>
+          <a:bodyPr/>
+          <a:lstStyle/>
+          <a:p>
+            <a:endParaRPr lang="es-ES"/>
+          </a:p>
+        </p:txBody>
+      </p:sp>
+      <p:pic>
+        <p:nvPicPr>
+          <p:cNvPr id="4" name="Marcador de contenido 3"/>
+          <p:cNvPicPr>
+            <a:picLocks noGrp="1" noChangeAspect="1"/>
+          </p:cNvPicPr>
+          <p:nvPr>
+            <p:ph idx="1"/>
+          </p:nvPr>
+        </p:nvPicPr>
+        <p:blipFill>
+          <a:blip r:embed="rId2">
+            <a:extLst>
+              <a:ext uri="{28A0092B-C50C-407E-A947-70E740481C1C}">
+                <a14:useLocalDpi xmlns:a14="http://schemas.microsoft.com/office/drawing/2010/main" val="0"/>
+              </a:ext>
+            </a:extLst>
+          </a:blip>
+          <a:stretch>
+            <a:fillRect/>
+          </a:stretch>
+        </p:blipFill>
+        <p:spPr>
+          <a:xfrm>
+            <a:off x="5362245" y="1690688"/>
+            <a:ext cx="5001778" cy="4142240"/>
+          </a:xfrm>
+        </p:spPr>
+      </p:pic>
+      <p:pic>
+        <p:nvPicPr>
+          <p:cNvPr id="5" name="Imagen 4"/>
+          <p:cNvPicPr>
+            <a:picLocks noChangeAspect="1"/>
+          </p:cNvPicPr>
+          <p:nvPr/>
+        </p:nvPicPr>
+        <p:blipFill>
+          <a:blip r:embed="rId3">
+            <a:extLst>
+              <a:ext uri="{28A0092B-C50C-407E-A947-70E740481C1C}">
+                <a14:useLocalDpi xmlns:a14="http://schemas.microsoft.com/office/drawing/2010/main" val="0"/>
+              </a:ext>
+            </a:extLst>
+          </a:blip>
+          <a:stretch>
+            <a:fillRect/>
+          </a:stretch>
+        </p:blipFill>
+        <p:spPr>
+          <a:xfrm>
+            <a:off x="360467" y="1690688"/>
+            <a:ext cx="5001778" cy="4142240"/>
+          </a:xfrm>
+          <a:prstGeom prst="rect">
+            <a:avLst/>
+          </a:prstGeom>
+        </p:spPr>
+      </p:pic>
+      <p:pic>
+        <p:nvPicPr>
+          <p:cNvPr id="6" name="Imagen 5"/>
+          <p:cNvPicPr>
+            <a:picLocks noChangeAspect="1"/>
+          </p:cNvPicPr>
+          <p:nvPr/>
+        </p:nvPicPr>
+        <p:blipFill rotWithShape="1">
+          <a:blip r:embed="rId3">
+            <a:extLst>
+              <a:ext uri="{28A0092B-C50C-407E-A947-70E740481C1C}">
+                <a14:useLocalDpi xmlns:a14="http://schemas.microsoft.com/office/drawing/2010/main" val="0"/>
+              </a:ext>
+            </a:extLst>
+          </a:blip>
+          <a:srcRect l="26037" t="30955" r="57319" b="59819"/>
+          <a:stretch/>
+        </p:blipFill>
+        <p:spPr>
+          <a:xfrm>
+            <a:off x="1612584" y="2634112"/>
+            <a:ext cx="832515" cy="382139"/>
+          </a:xfrm>
+          <a:prstGeom prst="rect">
+            <a:avLst/>
+          </a:prstGeom>
+        </p:spPr>
+      </p:pic>
+      <p:pic>
+        <p:nvPicPr>
+          <p:cNvPr id="7" name="Imagen 6"/>
+          <p:cNvPicPr>
+            <a:picLocks noChangeAspect="1"/>
+          </p:cNvPicPr>
+          <p:nvPr/>
+        </p:nvPicPr>
+        <p:blipFill rotWithShape="1">
+          <a:blip r:embed="rId3">
+            <a:extLst>
+              <a:ext uri="{28A0092B-C50C-407E-A947-70E740481C1C}">
+                <a14:useLocalDpi xmlns:a14="http://schemas.microsoft.com/office/drawing/2010/main" val="0"/>
+              </a:ext>
+            </a:extLst>
+          </a:blip>
+          <a:srcRect l="26037" t="30955" r="57319" b="59819"/>
+          <a:stretch/>
+        </p:blipFill>
+        <p:spPr>
+          <a:xfrm>
+            <a:off x="6614361" y="2532547"/>
+            <a:ext cx="832515" cy="382139"/>
+          </a:xfrm>
+          <a:prstGeom prst="rect">
+            <a:avLst/>
+          </a:prstGeom>
+        </p:spPr>
+      </p:pic>
+      <p:sp>
+        <p:nvSpPr>
+          <p:cNvPr id="8" name="CuadroTexto 7"/>
+          <p:cNvSpPr txBox="1"/>
+          <p:nvPr/>
+        </p:nvSpPr>
+        <p:spPr>
+          <a:xfrm>
+            <a:off x="1411108" y="2634111"/>
+            <a:ext cx="1235466" cy="307777"/>
+          </a:xfrm>
+          <a:prstGeom prst="rect">
+            <a:avLst/>
+          </a:prstGeom>
+          <a:noFill/>
+        </p:spPr>
+        <p:txBody>
+          <a:bodyPr wrap="none" rtlCol="0">
+            <a:spAutoFit/>
+          </a:bodyPr>
+          <a:lstStyle/>
+          <a:p>
+            <a:r>
+              <a:rPr lang="es-ES" sz="1400" dirty="0" err="1" smtClean="0"/>
+              <a:t>Not</a:t>
+            </a:r>
+            <a:r>
+              <a:rPr lang="es-ES" sz="1400" dirty="0" smtClean="0"/>
+              <a:t> </a:t>
+            </a:r>
+            <a:r>
+              <a:rPr lang="es-ES" sz="1400" dirty="0" err="1" smtClean="0"/>
+              <a:t>Measured</a:t>
+            </a:r>
+            <a:endParaRPr lang="es-ES" sz="1400" dirty="0"/>
+          </a:p>
+        </p:txBody>
+      </p:sp>
+      <p:sp>
+        <p:nvSpPr>
+          <p:cNvPr id="10" name="CuadroTexto 9"/>
+          <p:cNvSpPr txBox="1"/>
+          <p:nvPr/>
+        </p:nvSpPr>
+        <p:spPr>
+          <a:xfrm>
+            <a:off x="6412885" y="2634111"/>
+            <a:ext cx="1235466" cy="307777"/>
+          </a:xfrm>
+          <a:prstGeom prst="rect">
+            <a:avLst/>
+          </a:prstGeom>
+          <a:noFill/>
+        </p:spPr>
+        <p:txBody>
+          <a:bodyPr wrap="none" rtlCol="0">
+            <a:spAutoFit/>
+          </a:bodyPr>
+          <a:lstStyle/>
+          <a:p>
+            <a:r>
+              <a:rPr lang="es-ES" sz="1400" dirty="0" err="1" smtClean="0"/>
+              <a:t>Not</a:t>
+            </a:r>
+            <a:r>
+              <a:rPr lang="es-ES" sz="1400" dirty="0" smtClean="0"/>
+              <a:t> </a:t>
+            </a:r>
+            <a:r>
+              <a:rPr lang="es-ES" sz="1400" dirty="0" err="1" smtClean="0"/>
+              <a:t>Measured</a:t>
+            </a:r>
+            <a:endParaRPr lang="es-ES" sz="1400" dirty="0"/>
+          </a:p>
+        </p:txBody>
+      </p:sp>
+    </p:spTree>
+    <p:extLst>
+      <p:ext uri="{BB962C8B-B14F-4D97-AF65-F5344CB8AC3E}">
+        <p14:creationId xmlns:p14="http://schemas.microsoft.com/office/powerpoint/2010/main" val="3429801562"/>
+      </p:ext>
+    </p:extLst>
+  </p:cSld>
+  <p:clrMapOvr>
+    <a:masterClrMapping/>
+  </p:clrMapOvr>
+</p:sld>
+</file>
+
 <file path=ppt/theme/theme1.xml><?xml version="1.0" encoding="utf-8"?>
 <a:theme xmlns:a="http://schemas.openxmlformats.org/drawingml/2006/main" name="Tema de Office">
   <a:themeElements>

--- a/document/Graphics/gráficas.pptx
+++ b/document/Graphics/gráficas.pptx
@@ -247,7 +247,7 @@
           <a:p>
             <a:fld id="{F99C7A29-F184-4583-9600-8CD6DFE24909}" type="datetimeFigureOut">
               <a:rPr lang="es-ES" smtClean="0"/>
-              <a:t>23/05/2025</a:t>
+              <a:t>24/05/2025</a:t>
             </a:fld>
             <a:endParaRPr lang="es-ES"/>
           </a:p>
@@ -417,7 +417,7 @@
           <a:p>
             <a:fld id="{F99C7A29-F184-4583-9600-8CD6DFE24909}" type="datetimeFigureOut">
               <a:rPr lang="es-ES" smtClean="0"/>
-              <a:t>23/05/2025</a:t>
+              <a:t>24/05/2025</a:t>
             </a:fld>
             <a:endParaRPr lang="es-ES"/>
           </a:p>
@@ -597,7 +597,7 @@
           <a:p>
             <a:fld id="{F99C7A29-F184-4583-9600-8CD6DFE24909}" type="datetimeFigureOut">
               <a:rPr lang="es-ES" smtClean="0"/>
-              <a:t>23/05/2025</a:t>
+              <a:t>24/05/2025</a:t>
             </a:fld>
             <a:endParaRPr lang="es-ES"/>
           </a:p>
@@ -767,7 +767,7 @@
           <a:p>
             <a:fld id="{F99C7A29-F184-4583-9600-8CD6DFE24909}" type="datetimeFigureOut">
               <a:rPr lang="es-ES" smtClean="0"/>
-              <a:t>23/05/2025</a:t>
+              <a:t>24/05/2025</a:t>
             </a:fld>
             <a:endParaRPr lang="es-ES"/>
           </a:p>
@@ -1013,7 +1013,7 @@
           <a:p>
             <a:fld id="{F99C7A29-F184-4583-9600-8CD6DFE24909}" type="datetimeFigureOut">
               <a:rPr lang="es-ES" smtClean="0"/>
-              <a:t>23/05/2025</a:t>
+              <a:t>24/05/2025</a:t>
             </a:fld>
             <a:endParaRPr lang="es-ES"/>
           </a:p>
@@ -1245,7 +1245,7 @@
           <a:p>
             <a:fld id="{F99C7A29-F184-4583-9600-8CD6DFE24909}" type="datetimeFigureOut">
               <a:rPr lang="es-ES" smtClean="0"/>
-              <a:t>23/05/2025</a:t>
+              <a:t>24/05/2025</a:t>
             </a:fld>
             <a:endParaRPr lang="es-ES"/>
           </a:p>
@@ -1612,7 +1612,7 @@
           <a:p>
             <a:fld id="{F99C7A29-F184-4583-9600-8CD6DFE24909}" type="datetimeFigureOut">
               <a:rPr lang="es-ES" smtClean="0"/>
-              <a:t>23/05/2025</a:t>
+              <a:t>24/05/2025</a:t>
             </a:fld>
             <a:endParaRPr lang="es-ES"/>
           </a:p>
@@ -1730,7 +1730,7 @@
           <a:p>
             <a:fld id="{F99C7A29-F184-4583-9600-8CD6DFE24909}" type="datetimeFigureOut">
               <a:rPr lang="es-ES" smtClean="0"/>
-              <a:t>23/05/2025</a:t>
+              <a:t>24/05/2025</a:t>
             </a:fld>
             <a:endParaRPr lang="es-ES"/>
           </a:p>
@@ -1825,7 +1825,7 @@
           <a:p>
             <a:fld id="{F99C7A29-F184-4583-9600-8CD6DFE24909}" type="datetimeFigureOut">
               <a:rPr lang="es-ES" smtClean="0"/>
-              <a:t>23/05/2025</a:t>
+              <a:t>24/05/2025</a:t>
             </a:fld>
             <a:endParaRPr lang="es-ES"/>
           </a:p>
@@ -2102,7 +2102,7 @@
           <a:p>
             <a:fld id="{F99C7A29-F184-4583-9600-8CD6DFE24909}" type="datetimeFigureOut">
               <a:rPr lang="es-ES" smtClean="0"/>
-              <a:t>23/05/2025</a:t>
+              <a:t>24/05/2025</a:t>
             </a:fld>
             <a:endParaRPr lang="es-ES"/>
           </a:p>
@@ -2355,7 +2355,7 @@
           <a:p>
             <a:fld id="{F99C7A29-F184-4583-9600-8CD6DFE24909}" type="datetimeFigureOut">
               <a:rPr lang="es-ES" smtClean="0"/>
-              <a:t>23/05/2025</a:t>
+              <a:t>24/05/2025</a:t>
             </a:fld>
             <a:endParaRPr lang="es-ES"/>
           </a:p>
@@ -2568,7 +2568,7 @@
           <a:p>
             <a:fld id="{F99C7A29-F184-4583-9600-8CD6DFE24909}" type="datetimeFigureOut">
               <a:rPr lang="es-ES" smtClean="0"/>
-              <a:t>23/05/2025</a:t>
+              <a:t>24/05/2025</a:t>
             </a:fld>
             <a:endParaRPr lang="es-ES"/>
           </a:p>
@@ -3609,34 +3609,13 @@
           <a:chExt cx="0" cy="0"/>
         </a:xfrm>
       </p:grpSpPr>
-      <p:sp>
-        <p:nvSpPr>
-          <p:cNvPr id="2" name="Título 1"/>
-          <p:cNvSpPr>
-            <a:spLocks noGrp="1"/>
-          </p:cNvSpPr>
-          <p:nvPr>
-            <p:ph type="title"/>
-          </p:nvPr>
-        </p:nvSpPr>
-        <p:spPr/>
-        <p:txBody>
-          <a:bodyPr/>
-          <a:lstStyle/>
-          <a:p>
-            <a:endParaRPr lang="es-ES"/>
-          </a:p>
-        </p:txBody>
-      </p:sp>
       <p:pic>
         <p:nvPicPr>
-          <p:cNvPr id="4" name="Marcador de contenido 3"/>
+          <p:cNvPr id="11" name="Imagen 10"/>
           <p:cNvPicPr>
-            <a:picLocks noGrp="1" noChangeAspect="1"/>
+            <a:picLocks noChangeAspect="1"/>
           </p:cNvPicPr>
-          <p:nvPr>
-            <p:ph idx="1"/>
-          </p:nvPr>
+          <p:nvPr/>
         </p:nvPicPr>
         <p:blipFill>
           <a:blip r:embed="rId2">
@@ -3652,18 +3631,23 @@
         </p:blipFill>
         <p:spPr>
           <a:xfrm>
-            <a:off x="5362245" y="1690688"/>
-            <a:ext cx="5001778" cy="4142240"/>
-          </a:xfrm>
+            <a:off x="219990" y="1690688"/>
+            <a:ext cx="5138938" cy="4224536"/>
+          </a:xfrm>
+          <a:prstGeom prst="rect">
+            <a:avLst/>
+          </a:prstGeom>
         </p:spPr>
       </p:pic>
       <p:pic>
         <p:nvPicPr>
-          <p:cNvPr id="5" name="Imagen 4"/>
+          <p:cNvPr id="9" name="Marcador de contenido 8"/>
           <p:cNvPicPr>
-            <a:picLocks noChangeAspect="1"/>
+            <a:picLocks noGrp="1" noChangeAspect="1"/>
           </p:cNvPicPr>
-          <p:nvPr/>
+          <p:nvPr>
+            <p:ph idx="1"/>
+          </p:nvPr>
         </p:nvPicPr>
         <p:blipFill>
           <a:blip r:embed="rId3">
@@ -3679,14 +3663,30 @@
         </p:blipFill>
         <p:spPr>
           <a:xfrm>
-            <a:off x="360467" y="1690688"/>
-            <a:ext cx="5001778" cy="4142240"/>
-          </a:xfrm>
-          <a:prstGeom prst="rect">
-            <a:avLst/>
-          </a:prstGeom>
+            <a:off x="5358928" y="1690688"/>
+            <a:ext cx="5138938" cy="4224536"/>
+          </a:xfrm>
         </p:spPr>
       </p:pic>
+      <p:sp>
+        <p:nvSpPr>
+          <p:cNvPr id="2" name="Título 1"/>
+          <p:cNvSpPr>
+            <a:spLocks noGrp="1"/>
+          </p:cNvSpPr>
+          <p:nvPr>
+            <p:ph type="title"/>
+          </p:nvPr>
+        </p:nvSpPr>
+        <p:spPr/>
+        <p:txBody>
+          <a:bodyPr/>
+          <a:lstStyle/>
+          <a:p>
+            <a:endParaRPr lang="es-ES"/>
+          </a:p>
+        </p:txBody>
+      </p:sp>
       <p:pic>
         <p:nvPicPr>
           <p:cNvPr id="6" name="Imagen 5"/>
@@ -3696,7 +3696,7 @@
           <p:nvPr/>
         </p:nvPicPr>
         <p:blipFill rotWithShape="1">
-          <a:blip r:embed="rId3">
+          <a:blip r:embed="rId4">
             <a:extLst>
               <a:ext uri="{28A0092B-C50C-407E-A947-70E740481C1C}">
                 <a14:useLocalDpi xmlns:a14="http://schemas.microsoft.com/office/drawing/2010/main" val="0"/>
@@ -3725,7 +3725,7 @@
           <p:nvPr/>
         </p:nvPicPr>
         <p:blipFill rotWithShape="1">
-          <a:blip r:embed="rId3">
+          <a:blip r:embed="rId4">
             <a:extLst>
               <a:ext uri="{28A0092B-C50C-407E-A947-70E740481C1C}">
                 <a14:useLocalDpi xmlns:a14="http://schemas.microsoft.com/office/drawing/2010/main" val="0"/>
@@ -3753,7 +3753,7 @@
         </p:nvSpPr>
         <p:spPr>
           <a:xfrm>
-            <a:off x="1411108" y="2634111"/>
+            <a:off x="1396779" y="2671292"/>
             <a:ext cx="1235466" cy="307777"/>
           </a:xfrm>
           <a:prstGeom prst="rect">
@@ -3791,7 +3791,7 @@
         </p:nvSpPr>
         <p:spPr>
           <a:xfrm>
-            <a:off x="6412885" y="2634111"/>
+            <a:off x="6535717" y="2634111"/>
             <a:ext cx="1235466" cy="307777"/>
           </a:xfrm>
           <a:prstGeom prst="rect">

--- a/document/Graphics/gráficas.pptx
+++ b/document/Graphics/gráficas.pptx
@@ -247,7 +247,7 @@
           <a:p>
             <a:fld id="{F99C7A29-F184-4583-9600-8CD6DFE24909}" type="datetimeFigureOut">
               <a:rPr lang="es-ES" smtClean="0"/>
-              <a:t>24/05/2025</a:t>
+              <a:t>25/05/2025</a:t>
             </a:fld>
             <a:endParaRPr lang="es-ES"/>
           </a:p>
@@ -417,7 +417,7 @@
           <a:p>
             <a:fld id="{F99C7A29-F184-4583-9600-8CD6DFE24909}" type="datetimeFigureOut">
               <a:rPr lang="es-ES" smtClean="0"/>
-              <a:t>24/05/2025</a:t>
+              <a:t>25/05/2025</a:t>
             </a:fld>
             <a:endParaRPr lang="es-ES"/>
           </a:p>
@@ -597,7 +597,7 @@
           <a:p>
             <a:fld id="{F99C7A29-F184-4583-9600-8CD6DFE24909}" type="datetimeFigureOut">
               <a:rPr lang="es-ES" smtClean="0"/>
-              <a:t>24/05/2025</a:t>
+              <a:t>25/05/2025</a:t>
             </a:fld>
             <a:endParaRPr lang="es-ES"/>
           </a:p>
@@ -767,7 +767,7 @@
           <a:p>
             <a:fld id="{F99C7A29-F184-4583-9600-8CD6DFE24909}" type="datetimeFigureOut">
               <a:rPr lang="es-ES" smtClean="0"/>
-              <a:t>24/05/2025</a:t>
+              <a:t>25/05/2025</a:t>
             </a:fld>
             <a:endParaRPr lang="es-ES"/>
           </a:p>
@@ -1013,7 +1013,7 @@
           <a:p>
             <a:fld id="{F99C7A29-F184-4583-9600-8CD6DFE24909}" type="datetimeFigureOut">
               <a:rPr lang="es-ES" smtClean="0"/>
-              <a:t>24/05/2025</a:t>
+              <a:t>25/05/2025</a:t>
             </a:fld>
             <a:endParaRPr lang="es-ES"/>
           </a:p>
@@ -1245,7 +1245,7 @@
           <a:p>
             <a:fld id="{F99C7A29-F184-4583-9600-8CD6DFE24909}" type="datetimeFigureOut">
               <a:rPr lang="es-ES" smtClean="0"/>
-              <a:t>24/05/2025</a:t>
+              <a:t>25/05/2025</a:t>
             </a:fld>
             <a:endParaRPr lang="es-ES"/>
           </a:p>
@@ -1612,7 +1612,7 @@
           <a:p>
             <a:fld id="{F99C7A29-F184-4583-9600-8CD6DFE24909}" type="datetimeFigureOut">
               <a:rPr lang="es-ES" smtClean="0"/>
-              <a:t>24/05/2025</a:t>
+              <a:t>25/05/2025</a:t>
             </a:fld>
             <a:endParaRPr lang="es-ES"/>
           </a:p>
@@ -1730,7 +1730,7 @@
           <a:p>
             <a:fld id="{F99C7A29-F184-4583-9600-8CD6DFE24909}" type="datetimeFigureOut">
               <a:rPr lang="es-ES" smtClean="0"/>
-              <a:t>24/05/2025</a:t>
+              <a:t>25/05/2025</a:t>
             </a:fld>
             <a:endParaRPr lang="es-ES"/>
           </a:p>
@@ -1825,7 +1825,7 @@
           <a:p>
             <a:fld id="{F99C7A29-F184-4583-9600-8CD6DFE24909}" type="datetimeFigureOut">
               <a:rPr lang="es-ES" smtClean="0"/>
-              <a:t>24/05/2025</a:t>
+              <a:t>25/05/2025</a:t>
             </a:fld>
             <a:endParaRPr lang="es-ES"/>
           </a:p>
@@ -2102,7 +2102,7 @@
           <a:p>
             <a:fld id="{F99C7A29-F184-4583-9600-8CD6DFE24909}" type="datetimeFigureOut">
               <a:rPr lang="es-ES" smtClean="0"/>
-              <a:t>24/05/2025</a:t>
+              <a:t>25/05/2025</a:t>
             </a:fld>
             <a:endParaRPr lang="es-ES"/>
           </a:p>
@@ -2355,7 +2355,7 @@
           <a:p>
             <a:fld id="{F99C7A29-F184-4583-9600-8CD6DFE24909}" type="datetimeFigureOut">
               <a:rPr lang="es-ES" smtClean="0"/>
-              <a:t>24/05/2025</a:t>
+              <a:t>25/05/2025</a:t>
             </a:fld>
             <a:endParaRPr lang="es-ES"/>
           </a:p>
@@ -2568,7 +2568,7 @@
           <a:p>
             <a:fld id="{F99C7A29-F184-4583-9600-8CD6DFE24909}" type="datetimeFigureOut">
               <a:rPr lang="es-ES" smtClean="0"/>
-              <a:t>24/05/2025</a:t>
+              <a:t>25/05/2025</a:t>
             </a:fld>
             <a:endParaRPr lang="es-ES"/>
           </a:p>
@@ -2975,7 +2975,7 @@
       </p:grpSpPr>
       <p:pic>
         <p:nvPicPr>
-          <p:cNvPr id="13" name="Imagen 12"/>
+          <p:cNvPr id="4" name="Imagen 3"/>
           <p:cNvPicPr>
             <a:picLocks noChangeAspect="1"/>
           </p:cNvPicPr>
@@ -2989,13 +2989,13 @@
               </a:ext>
             </a:extLst>
           </a:blip>
-          <a:srcRect l="1117" t="3992" r="766"/>
+          <a:srcRect l="816" t="4558" r="1068" b="1176"/>
           <a:stretch/>
         </p:blipFill>
         <p:spPr>
           <a:xfrm>
-            <a:off x="4217158" y="938782"/>
-            <a:ext cx="3998793" cy="4681182"/>
+            <a:off x="8212623" y="938782"/>
+            <a:ext cx="3979049" cy="4681181"/>
           </a:xfrm>
           <a:prstGeom prst="rect">
             <a:avLst/>
@@ -3004,7 +3004,7 @@
       </p:pic>
       <p:pic>
         <p:nvPicPr>
-          <p:cNvPr id="8" name="Imagen 7"/>
+          <p:cNvPr id="3" name="Imagen 2"/>
           <p:cNvPicPr>
             <a:picLocks noChangeAspect="1"/>
           </p:cNvPicPr>
@@ -3018,13 +3018,13 @@
               </a:ext>
             </a:extLst>
           </a:blip>
-          <a:srcRect l="1207" t="4782" r="1088" b="1288"/>
+          <a:srcRect l="892" t="4558" r="1149" b="1176"/>
           <a:stretch/>
         </p:blipFill>
         <p:spPr>
           <a:xfrm>
-            <a:off x="149329" y="938782"/>
-            <a:ext cx="3999324" cy="4681182"/>
+            <a:off x="4217159" y="969567"/>
+            <a:ext cx="3995464" cy="4650397"/>
           </a:xfrm>
           <a:prstGeom prst="rect">
             <a:avLst/>
@@ -3033,7 +3033,7 @@
       </p:pic>
       <p:pic>
         <p:nvPicPr>
-          <p:cNvPr id="12" name="Imagen 11"/>
+          <p:cNvPr id="2" name="Imagen 1"/>
           <p:cNvPicPr>
             <a:picLocks noChangeAspect="1"/>
           </p:cNvPicPr>
@@ -3047,13 +3047,13 @@
               </a:ext>
             </a:extLst>
           </a:blip>
-          <a:srcRect l="1094" t="4134" r="1139" b="1338"/>
+          <a:srcRect l="834" t="4642" r="1235" b="1092"/>
           <a:stretch/>
         </p:blipFill>
         <p:spPr>
           <a:xfrm>
-            <a:off x="8215951" y="938782"/>
-            <a:ext cx="3976049" cy="4681182"/>
+            <a:off x="95275" y="938782"/>
+            <a:ext cx="4053378" cy="4681182"/>
           </a:xfrm>
           <a:prstGeom prst="rect">
             <a:avLst/>
